--- a/Class Slides 2024/Class 14.pptx
+++ b/Class Slides 2024/Class 14.pptx
@@ -5,7 +5,7 @@
     <p:sldMasterId id="2147483648" r:id="rId1"/>
   </p:sldMasterIdLst>
   <p:notesMasterIdLst>
-    <p:notesMasterId r:id="rId16"/>
+    <p:notesMasterId r:id="rId15"/>
   </p:notesMasterIdLst>
   <p:sldIdLst>
     <p:sldId id="256" r:id="rId2"/>
@@ -15,13 +15,12 @@
     <p:sldId id="270" r:id="rId6"/>
     <p:sldId id="271" r:id="rId7"/>
     <p:sldId id="261" r:id="rId8"/>
-    <p:sldId id="263" r:id="rId9"/>
-    <p:sldId id="265" r:id="rId10"/>
-    <p:sldId id="266" r:id="rId11"/>
-    <p:sldId id="268" r:id="rId12"/>
-    <p:sldId id="264" r:id="rId13"/>
-    <p:sldId id="269" r:id="rId14"/>
-    <p:sldId id="258" r:id="rId15"/>
+    <p:sldId id="265" r:id="rId9"/>
+    <p:sldId id="266" r:id="rId10"/>
+    <p:sldId id="268" r:id="rId11"/>
+    <p:sldId id="264" r:id="rId12"/>
+    <p:sldId id="269" r:id="rId13"/>
+    <p:sldId id="258" r:id="rId14"/>
   </p:sldIdLst>
   <p:sldSz cx="12192000" cy="6858000"/>
   <p:notesSz cx="7102475" cy="9388475"/>
@@ -5015,7 +5014,7 @@
           <a:p>
             <a:r>
               <a:rPr lang="en-US" dirty="0"/>
-              <a:t>Experiment 2, ANOVA</a:t>
+              <a:t>ANOVA with demonstration examples</a:t>
             </a:r>
           </a:p>
           <a:p>
@@ -5092,7 +5091,7 @@
           <p:cNvPr id="2" name="Title 1">
             <a:extLst>
               <a:ext uri="{FF2B5EF4-FFF2-40B4-BE49-F238E27FC236}">
-                <a16:creationId xmlns:a16="http://schemas.microsoft.com/office/drawing/2014/main" id="{965E6036-FC76-2F68-852B-300B8A9205D5}"/>
+                <a16:creationId xmlns:a16="http://schemas.microsoft.com/office/drawing/2014/main" id="{0F3447EE-9FEC-A145-9FC9-82F765623464}"/>
               </a:ext>
             </a:extLst>
           </p:cNvPr>
@@ -5110,7 +5109,7 @@
           <a:p>
             <a:r>
               <a:rPr lang="en-US" dirty="0"/>
-              <a:t>Power analysis</a:t>
+              <a:t>Sensitivity</a:t>
             </a:r>
           </a:p>
         </p:txBody>
@@ -5120,7 +5119,7 @@
           <p:cNvPr id="3" name="Content Placeholder 2">
             <a:extLst>
               <a:ext uri="{FF2B5EF4-FFF2-40B4-BE49-F238E27FC236}">
-                <a16:creationId xmlns:a16="http://schemas.microsoft.com/office/drawing/2014/main" id="{4B41D165-038B-D5FB-1296-6DB9F906B751}"/>
+                <a16:creationId xmlns:a16="http://schemas.microsoft.com/office/drawing/2014/main" id="{67312692-2BDF-5D19-2082-11AA2508B559}"/>
               </a:ext>
             </a:extLst>
           </p:cNvPr>
@@ -5133,28 +5132,40 @@
         </p:nvSpPr>
         <p:spPr/>
         <p:txBody>
-          <a:bodyPr>
-            <a:normAutofit lnSpcReduction="10000"/>
-          </a:bodyPr>
+          <a:bodyPr/>
           <a:lstStyle/>
           <a:p>
             <a:r>
               <a:rPr lang="en-US" dirty="0"/>
-              <a:t>How many participants do I need for my experiment to work?</a:t>
+              <a:t>Under-powered studies</a:t>
             </a:r>
           </a:p>
           <a:p>
             <a:pPr lvl="1"/>
             <a:r>
               <a:rPr lang="en-US" dirty="0"/>
-              <a:t>Practical/convenience sampling: how many do you have?</a:t>
+              <a:t>Might still work</a:t>
             </a:r>
           </a:p>
           <a:p>
             <a:pPr lvl="1"/>
             <a:r>
               <a:rPr lang="en-US" dirty="0"/>
-              <a:t>RCT: precisely estimated samples in advance</a:t>
+              <a:t>“Marginal” effects: .05 &lt; p &lt; .10</a:t>
+            </a:r>
+          </a:p>
+          <a:p>
+            <a:pPr lvl="2"/>
+            <a:r>
+              <a:rPr lang="en-US" dirty="0"/>
+              <a:t>One-tailed test would work</a:t>
+            </a:r>
+          </a:p>
+          <a:p>
+            <a:pPr lvl="1"/>
+            <a:r>
+              <a:rPr lang="en-US" dirty="0"/>
+              <a:t>Type 2 effects</a:t>
             </a:r>
           </a:p>
           <a:p>
@@ -5164,45 +5175,28 @@
           <a:p>
             <a:r>
               <a:rPr lang="en-US" dirty="0"/>
-              <a:t>Probability of a statistically reliable result</a:t>
+              <a:t>“Over-powered” studies</a:t>
             </a:r>
           </a:p>
           <a:p>
             <a:pPr lvl="1"/>
             <a:r>
               <a:rPr lang="en-US" dirty="0"/>
-              <a:t>P = f(effect size, n)</a:t>
+              <a:t>Not actually possible</a:t>
             </a:r>
           </a:p>
           <a:p>
             <a:pPr lvl="1"/>
-            <a:endParaRPr lang="en-US" dirty="0"/>
-          </a:p>
-          <a:p>
-            <a:r>
-              <a:rPr lang="en-US" dirty="0"/>
-              <a:t>Rough estimates</a:t>
-            </a:r>
-          </a:p>
-          <a:p>
-            <a:pPr lvl="1"/>
-            <a:r>
-              <a:rPr lang="en-US" dirty="0"/>
-              <a:t>Cohen’s d = 1.0, n = 32 (16/group), power = 80%</a:t>
-            </a:r>
-          </a:p>
-          <a:p>
-            <a:pPr lvl="1"/>
-            <a:r>
-              <a:rPr lang="en-US" dirty="0"/>
-              <a:t>d = 0.5, n= 126 (63/group), power = 80%</a:t>
-            </a:r>
-          </a:p>
-          <a:p>
-            <a:pPr lvl="1"/>
-            <a:r>
-              <a:rPr lang="en-US" dirty="0"/>
-              <a:t>d = 0.2, n = 784 (392/group), power = 80%</a:t>
+            <a:r>
+              <a:rPr lang="en-US" dirty="0"/>
+              <a:t>Large n’s can produce tiny reliable effects</a:t>
+            </a:r>
+          </a:p>
+          <a:p>
+            <a:pPr lvl="2"/>
+            <a:r>
+              <a:rPr lang="en-US" dirty="0"/>
+              <a:t>Just look at the effect size when interpreting results</a:t>
             </a:r>
           </a:p>
         </p:txBody>
@@ -5210,7 +5204,7 @@
     </p:spTree>
     <p:extLst>
       <p:ext uri="{BB962C8B-B14F-4D97-AF65-F5344CB8AC3E}">
-        <p14:creationId xmlns:p14="http://schemas.microsoft.com/office/powerpoint/2010/main" val="1417406352"/>
+        <p14:creationId xmlns:p14="http://schemas.microsoft.com/office/powerpoint/2010/main" val="2505116218"/>
       </p:ext>
     </p:extLst>
   </p:cSld>
@@ -5242,7 +5236,7 @@
           <p:cNvPr id="2" name="Title 1">
             <a:extLst>
               <a:ext uri="{FF2B5EF4-FFF2-40B4-BE49-F238E27FC236}">
-                <a16:creationId xmlns:a16="http://schemas.microsoft.com/office/drawing/2014/main" id="{0F3447EE-9FEC-A145-9FC9-82F765623464}"/>
+                <a16:creationId xmlns:a16="http://schemas.microsoft.com/office/drawing/2014/main" id="{E3AF238D-5906-A686-E36B-A0F108911E1E}"/>
               </a:ext>
             </a:extLst>
           </p:cNvPr>
@@ -5260,7 +5254,7 @@
           <a:p>
             <a:r>
               <a:rPr lang="en-US" dirty="0"/>
-              <a:t>Sensitivity</a:t>
+              <a:t>Reproducibility of results</a:t>
             </a:r>
           </a:p>
         </p:txBody>
@@ -5270,7 +5264,7 @@
           <p:cNvPr id="3" name="Content Placeholder 2">
             <a:extLst>
               <a:ext uri="{FF2B5EF4-FFF2-40B4-BE49-F238E27FC236}">
-                <a16:creationId xmlns:a16="http://schemas.microsoft.com/office/drawing/2014/main" id="{67312692-2BDF-5D19-2082-11AA2508B559}"/>
+                <a16:creationId xmlns:a16="http://schemas.microsoft.com/office/drawing/2014/main" id="{66932C48-8821-AC4D-6497-CB5ABA9089B1}"/>
               </a:ext>
             </a:extLst>
           </p:cNvPr>
@@ -5288,35 +5282,47 @@
           <a:p>
             <a:r>
               <a:rPr lang="en-US" dirty="0"/>
-              <a:t>Under-powered studies</a:t>
+              <a:t>Finding: some well-known psychological science studies were found to “not replicate”</a:t>
+            </a:r>
+          </a:p>
+          <a:p>
+            <a:r>
+              <a:rPr lang="en-US" dirty="0"/>
+              <a:t>Good consequences: more attention is being paid to statistical inference</a:t>
             </a:r>
           </a:p>
           <a:p>
             <a:pPr lvl="1"/>
             <a:r>
               <a:rPr lang="en-US" dirty="0"/>
-              <a:t>Might still work</a:t>
+              <a:t>Reduce focus on p-value, more on effect size and inference</a:t>
             </a:r>
           </a:p>
           <a:p>
             <a:pPr lvl="1"/>
             <a:r>
               <a:rPr lang="en-US" dirty="0"/>
-              <a:t>“Marginal” effects: .05 &lt; p &lt; .10</a:t>
-            </a:r>
-          </a:p>
-          <a:p>
-            <a:pPr lvl="2"/>
-            <a:r>
-              <a:rPr lang="en-US" dirty="0"/>
-              <a:t>One-tailed test would work</a:t>
+              <a:t>Replicating findings helps extend theory</a:t>
+            </a:r>
+          </a:p>
+          <a:p>
+            <a:r>
+              <a:rPr lang="en-US" dirty="0"/>
+              <a:t>Bad consequences: increased distrust of science</a:t>
             </a:r>
           </a:p>
           <a:p>
             <a:pPr lvl="1"/>
             <a:r>
               <a:rPr lang="en-US" dirty="0"/>
-              <a:t>Type 2 effects</a:t>
+              <a:t>Some ways to increase rigor will lead to less overall science</a:t>
+            </a:r>
+          </a:p>
+          <a:p>
+            <a:pPr lvl="1"/>
+            <a:r>
+              <a:rPr lang="en-US" dirty="0"/>
+              <a:t>Exposing gaps in statistical understanding</a:t>
             </a:r>
           </a:p>
           <a:p>
@@ -5324,38 +5330,17 @@
             <a:endParaRPr lang="en-US" dirty="0"/>
           </a:p>
           <a:p>
-            <a:r>
-              <a:rPr lang="en-US" dirty="0"/>
-              <a:t>“Over-powered” studies</a:t>
-            </a:r>
-          </a:p>
-          <a:p>
-            <a:pPr lvl="1"/>
-            <a:r>
-              <a:rPr lang="en-US" dirty="0"/>
-              <a:t>Not actually possible</a:t>
-            </a:r>
-          </a:p>
-          <a:p>
-            <a:pPr lvl="1"/>
-            <a:r>
-              <a:rPr lang="en-US" dirty="0"/>
-              <a:t>Large n’s can produce tiny reliable effects</a:t>
-            </a:r>
-          </a:p>
-          <a:p>
-            <a:pPr lvl="2"/>
-            <a:r>
-              <a:rPr lang="en-US" dirty="0"/>
-              <a:t>Just look at the effect size when interpreting results</a:t>
-            </a:r>
+            <a:pPr marL="0" indent="0">
+              <a:buNone/>
+            </a:pPr>
+            <a:endParaRPr lang="en-US" dirty="0"/>
           </a:p>
         </p:txBody>
       </p:sp>
     </p:spTree>
     <p:extLst>
       <p:ext uri="{BB962C8B-B14F-4D97-AF65-F5344CB8AC3E}">
-        <p14:creationId xmlns:p14="http://schemas.microsoft.com/office/powerpoint/2010/main" val="2505116218"/>
+        <p14:creationId xmlns:p14="http://schemas.microsoft.com/office/powerpoint/2010/main" val="4178936661"/>
       </p:ext>
     </p:extLst>
   </p:cSld>
@@ -5387,142 +5372,6 @@
           <p:cNvPr id="2" name="Title 1">
             <a:extLst>
               <a:ext uri="{FF2B5EF4-FFF2-40B4-BE49-F238E27FC236}">
-                <a16:creationId xmlns:a16="http://schemas.microsoft.com/office/drawing/2014/main" id="{E3AF238D-5906-A686-E36B-A0F108911E1E}"/>
-              </a:ext>
-            </a:extLst>
-          </p:cNvPr>
-          <p:cNvSpPr>
-            <a:spLocks noGrp="1"/>
-          </p:cNvSpPr>
-          <p:nvPr>
-            <p:ph type="title"/>
-          </p:nvPr>
-        </p:nvSpPr>
-        <p:spPr/>
-        <p:txBody>
-          <a:bodyPr/>
-          <a:lstStyle/>
-          <a:p>
-            <a:r>
-              <a:rPr lang="en-US" dirty="0"/>
-              <a:t>Reproducibility of results</a:t>
-            </a:r>
-          </a:p>
-        </p:txBody>
-      </p:sp>
-      <p:sp>
-        <p:nvSpPr>
-          <p:cNvPr id="3" name="Content Placeholder 2">
-            <a:extLst>
-              <a:ext uri="{FF2B5EF4-FFF2-40B4-BE49-F238E27FC236}">
-                <a16:creationId xmlns:a16="http://schemas.microsoft.com/office/drawing/2014/main" id="{66932C48-8821-AC4D-6497-CB5ABA9089B1}"/>
-              </a:ext>
-            </a:extLst>
-          </p:cNvPr>
-          <p:cNvSpPr>
-            <a:spLocks noGrp="1"/>
-          </p:cNvSpPr>
-          <p:nvPr>
-            <p:ph idx="1"/>
-          </p:nvPr>
-        </p:nvSpPr>
-        <p:spPr/>
-        <p:txBody>
-          <a:bodyPr/>
-          <a:lstStyle/>
-          <a:p>
-            <a:r>
-              <a:rPr lang="en-US" dirty="0"/>
-              <a:t>Finding: some well-known psychological science studies were found to “not replicate”</a:t>
-            </a:r>
-          </a:p>
-          <a:p>
-            <a:r>
-              <a:rPr lang="en-US" dirty="0"/>
-              <a:t>Good consequences: more attention is being paid to statistical inference</a:t>
-            </a:r>
-          </a:p>
-          <a:p>
-            <a:pPr lvl="1"/>
-            <a:r>
-              <a:rPr lang="en-US" dirty="0"/>
-              <a:t>Reduce focus on p-value, more on effect size and inference</a:t>
-            </a:r>
-          </a:p>
-          <a:p>
-            <a:pPr lvl="1"/>
-            <a:r>
-              <a:rPr lang="en-US" dirty="0"/>
-              <a:t>Replicating findings helps extend theory</a:t>
-            </a:r>
-          </a:p>
-          <a:p>
-            <a:r>
-              <a:rPr lang="en-US" dirty="0"/>
-              <a:t>Bad consequences: increased distrust of science</a:t>
-            </a:r>
-          </a:p>
-          <a:p>
-            <a:pPr lvl="1"/>
-            <a:r>
-              <a:rPr lang="en-US" dirty="0"/>
-              <a:t>Some ways to increase rigor will lead to less overall science</a:t>
-            </a:r>
-          </a:p>
-          <a:p>
-            <a:pPr lvl="1"/>
-            <a:r>
-              <a:rPr lang="en-US" dirty="0"/>
-              <a:t>Exposing gaps in statistical understanding</a:t>
-            </a:r>
-          </a:p>
-          <a:p>
-            <a:pPr lvl="1"/>
-            <a:endParaRPr lang="en-US" dirty="0"/>
-          </a:p>
-          <a:p>
-            <a:pPr marL="0" indent="0">
-              <a:buNone/>
-            </a:pPr>
-            <a:endParaRPr lang="en-US" dirty="0"/>
-          </a:p>
-        </p:txBody>
-      </p:sp>
-    </p:spTree>
-    <p:extLst>
-      <p:ext uri="{BB962C8B-B14F-4D97-AF65-F5344CB8AC3E}">
-        <p14:creationId xmlns:p14="http://schemas.microsoft.com/office/powerpoint/2010/main" val="4178936661"/>
-      </p:ext>
-    </p:extLst>
-  </p:cSld>
-  <p:clrMapOvr>
-    <a:masterClrMapping/>
-  </p:clrMapOvr>
-</p:sld>
-</file>
-
-<file path=ppt/slides/slide13.xml><?xml version="1.0" encoding="utf-8"?>
-<p:sld xmlns:a="http://schemas.openxmlformats.org/drawingml/2006/main" xmlns:r="http://schemas.openxmlformats.org/officeDocument/2006/relationships" xmlns:p="http://schemas.openxmlformats.org/presentationml/2006/main">
-  <p:cSld>
-    <p:spTree>
-      <p:nvGrpSpPr>
-        <p:cNvPr id="1" name=""/>
-        <p:cNvGrpSpPr/>
-        <p:nvPr/>
-      </p:nvGrpSpPr>
-      <p:grpSpPr>
-        <a:xfrm>
-          <a:off x="0" y="0"/>
-          <a:ext cx="0" cy="0"/>
-          <a:chOff x="0" y="0"/>
-          <a:chExt cx="0" cy="0"/>
-        </a:xfrm>
-      </p:grpSpPr>
-      <p:sp>
-        <p:nvSpPr>
-          <p:cNvPr id="2" name="Title 1">
-            <a:extLst>
-              <a:ext uri="{FF2B5EF4-FFF2-40B4-BE49-F238E27FC236}">
                 <a16:creationId xmlns:a16="http://schemas.microsoft.com/office/drawing/2014/main" id="{E62831BB-7DF4-5301-047E-48201820672B}"/>
               </a:ext>
             </a:extLst>
@@ -5645,7 +5494,7 @@
 </p:sld>
 </file>
 
-<file path=ppt/slides/slide14.xml><?xml version="1.0" encoding="utf-8"?>
+<file path=ppt/slides/slide13.xml><?xml version="1.0" encoding="utf-8"?>
 <p:sld xmlns:a="http://schemas.openxmlformats.org/drawingml/2006/main" xmlns:r="http://schemas.openxmlformats.org/officeDocument/2006/relationships" xmlns:p="http://schemas.openxmlformats.org/presentationml/2006/main">
   <p:cSld>
     <p:spTree>
@@ -7448,126 +7297,6 @@
           <p:cNvPr id="2" name="Title 1">
             <a:extLst>
               <a:ext uri="{FF2B5EF4-FFF2-40B4-BE49-F238E27FC236}">
-                <a16:creationId xmlns:a16="http://schemas.microsoft.com/office/drawing/2014/main" id="{BEE98694-6D7E-F639-73DF-61E411D74D48}"/>
-              </a:ext>
-            </a:extLst>
-          </p:cNvPr>
-          <p:cNvSpPr>
-            <a:spLocks noGrp="1"/>
-          </p:cNvSpPr>
-          <p:nvPr>
-            <p:ph type="title"/>
-          </p:nvPr>
-        </p:nvSpPr>
-        <p:spPr/>
-        <p:txBody>
-          <a:bodyPr/>
-          <a:lstStyle/>
-          <a:p>
-            <a:r>
-              <a:rPr lang="en-US" dirty="0"/>
-              <a:t>Interpreting the results</a:t>
-            </a:r>
-          </a:p>
-        </p:txBody>
-      </p:sp>
-      <p:sp>
-        <p:nvSpPr>
-          <p:cNvPr id="3" name="Content Placeholder 2">
-            <a:extLst>
-              <a:ext uri="{FF2B5EF4-FFF2-40B4-BE49-F238E27FC236}">
-                <a16:creationId xmlns:a16="http://schemas.microsoft.com/office/drawing/2014/main" id="{45903C32-52A1-4420-1322-67348DD69A99}"/>
-              </a:ext>
-            </a:extLst>
-          </p:cNvPr>
-          <p:cNvSpPr>
-            <a:spLocks noGrp="1"/>
-          </p:cNvSpPr>
-          <p:nvPr>
-            <p:ph idx="1"/>
-          </p:nvPr>
-        </p:nvSpPr>
-        <p:spPr/>
-        <p:txBody>
-          <a:bodyPr/>
-          <a:lstStyle/>
-          <a:p>
-            <a:r>
-              <a:rPr lang="en-US" dirty="0"/>
-              <a:t>Everything is reliable</a:t>
-            </a:r>
-          </a:p>
-          <a:p>
-            <a:pPr lvl="1"/>
-            <a:r>
-              <a:rPr lang="en-US" dirty="0"/>
-              <a:t>Main effect of Depth</a:t>
-            </a:r>
-          </a:p>
-          <a:p>
-            <a:pPr lvl="1"/>
-            <a:r>
-              <a:rPr lang="en-US" dirty="0"/>
-              <a:t>Main effect of Meaning</a:t>
-            </a:r>
-          </a:p>
-          <a:p>
-            <a:pPr lvl="1"/>
-            <a:r>
-              <a:rPr lang="en-US" dirty="0"/>
-              <a:t>Interaction between Depth &amp; Meaning</a:t>
-            </a:r>
-          </a:p>
-          <a:p>
-            <a:r>
-              <a:rPr lang="en-US" dirty="0"/>
-              <a:t>Effect sizes are different</a:t>
-            </a:r>
-          </a:p>
-          <a:p>
-            <a:pPr lvl="1"/>
-            <a:r>
-              <a:rPr lang="en-US" dirty="0"/>
-              <a:t>Which effects are the most impactful?</a:t>
-            </a:r>
-          </a:p>
-        </p:txBody>
-      </p:sp>
-    </p:spTree>
-    <p:extLst>
-      <p:ext uri="{BB962C8B-B14F-4D97-AF65-F5344CB8AC3E}">
-        <p14:creationId xmlns:p14="http://schemas.microsoft.com/office/powerpoint/2010/main" val="1988038429"/>
-      </p:ext>
-    </p:extLst>
-  </p:cSld>
-  <p:clrMapOvr>
-    <a:masterClrMapping/>
-  </p:clrMapOvr>
-</p:sld>
-</file>
-
-<file path=ppt/slides/slide9.xml><?xml version="1.0" encoding="utf-8"?>
-<p:sld xmlns:a="http://schemas.openxmlformats.org/drawingml/2006/main" xmlns:r="http://schemas.openxmlformats.org/officeDocument/2006/relationships" xmlns:p="http://schemas.openxmlformats.org/presentationml/2006/main">
-  <p:cSld>
-    <p:spTree>
-      <p:nvGrpSpPr>
-        <p:cNvPr id="1" name=""/>
-        <p:cNvGrpSpPr/>
-        <p:nvPr/>
-      </p:nvGrpSpPr>
-      <p:grpSpPr>
-        <a:xfrm>
-          <a:off x="0" y="0"/>
-          <a:ext cx="0" cy="0"/>
-          <a:chOff x="0" y="0"/>
-          <a:chExt cx="0" cy="0"/>
-        </a:xfrm>
-      </p:grpSpPr>
-      <p:sp>
-        <p:nvSpPr>
-          <p:cNvPr id="2" name="Title 1">
-            <a:extLst>
-              <a:ext uri="{FF2B5EF4-FFF2-40B4-BE49-F238E27FC236}">
                 <a16:creationId xmlns:a16="http://schemas.microsoft.com/office/drawing/2014/main" id="{6A8FF04F-91AF-0D78-9297-AA47EBA6C5F9}"/>
               </a:ext>
             </a:extLst>
@@ -8213,6 +7942,156 @@
     <p:extLst>
       <p:ext uri="{BB962C8B-B14F-4D97-AF65-F5344CB8AC3E}">
         <p14:creationId xmlns:p14="http://schemas.microsoft.com/office/powerpoint/2010/main" val="4137213286"/>
+      </p:ext>
+    </p:extLst>
+  </p:cSld>
+  <p:clrMapOvr>
+    <a:masterClrMapping/>
+  </p:clrMapOvr>
+</p:sld>
+</file>
+
+<file path=ppt/slides/slide9.xml><?xml version="1.0" encoding="utf-8"?>
+<p:sld xmlns:a="http://schemas.openxmlformats.org/drawingml/2006/main" xmlns:r="http://schemas.openxmlformats.org/officeDocument/2006/relationships" xmlns:p="http://schemas.openxmlformats.org/presentationml/2006/main">
+  <p:cSld>
+    <p:spTree>
+      <p:nvGrpSpPr>
+        <p:cNvPr id="1" name=""/>
+        <p:cNvGrpSpPr/>
+        <p:nvPr/>
+      </p:nvGrpSpPr>
+      <p:grpSpPr>
+        <a:xfrm>
+          <a:off x="0" y="0"/>
+          <a:ext cx="0" cy="0"/>
+          <a:chOff x="0" y="0"/>
+          <a:chExt cx="0" cy="0"/>
+        </a:xfrm>
+      </p:grpSpPr>
+      <p:sp>
+        <p:nvSpPr>
+          <p:cNvPr id="2" name="Title 1">
+            <a:extLst>
+              <a:ext uri="{FF2B5EF4-FFF2-40B4-BE49-F238E27FC236}">
+                <a16:creationId xmlns:a16="http://schemas.microsoft.com/office/drawing/2014/main" id="{965E6036-FC76-2F68-852B-300B8A9205D5}"/>
+              </a:ext>
+            </a:extLst>
+          </p:cNvPr>
+          <p:cNvSpPr>
+            <a:spLocks noGrp="1"/>
+          </p:cNvSpPr>
+          <p:nvPr>
+            <p:ph type="title"/>
+          </p:nvPr>
+        </p:nvSpPr>
+        <p:spPr/>
+        <p:txBody>
+          <a:bodyPr/>
+          <a:lstStyle/>
+          <a:p>
+            <a:r>
+              <a:rPr lang="en-US" dirty="0"/>
+              <a:t>Power analysis</a:t>
+            </a:r>
+          </a:p>
+        </p:txBody>
+      </p:sp>
+      <p:sp>
+        <p:nvSpPr>
+          <p:cNvPr id="3" name="Content Placeholder 2">
+            <a:extLst>
+              <a:ext uri="{FF2B5EF4-FFF2-40B4-BE49-F238E27FC236}">
+                <a16:creationId xmlns:a16="http://schemas.microsoft.com/office/drawing/2014/main" id="{4B41D165-038B-D5FB-1296-6DB9F906B751}"/>
+              </a:ext>
+            </a:extLst>
+          </p:cNvPr>
+          <p:cNvSpPr>
+            <a:spLocks noGrp="1"/>
+          </p:cNvSpPr>
+          <p:nvPr>
+            <p:ph idx="1"/>
+          </p:nvPr>
+        </p:nvSpPr>
+        <p:spPr/>
+        <p:txBody>
+          <a:bodyPr>
+            <a:normAutofit lnSpcReduction="10000"/>
+          </a:bodyPr>
+          <a:lstStyle/>
+          <a:p>
+            <a:r>
+              <a:rPr lang="en-US" dirty="0"/>
+              <a:t>How many participants do I need for my experiment to work?</a:t>
+            </a:r>
+          </a:p>
+          <a:p>
+            <a:pPr lvl="1"/>
+            <a:r>
+              <a:rPr lang="en-US" dirty="0"/>
+              <a:t>Practical/convenience sampling: how many do you have?</a:t>
+            </a:r>
+          </a:p>
+          <a:p>
+            <a:pPr lvl="1"/>
+            <a:r>
+              <a:rPr lang="en-US" dirty="0"/>
+              <a:t>RCT: precisely estimated samples in advance</a:t>
+            </a:r>
+          </a:p>
+          <a:p>
+            <a:pPr lvl="1"/>
+            <a:endParaRPr lang="en-US" dirty="0"/>
+          </a:p>
+          <a:p>
+            <a:r>
+              <a:rPr lang="en-US" dirty="0"/>
+              <a:t>Probability of a statistically reliable result</a:t>
+            </a:r>
+          </a:p>
+          <a:p>
+            <a:pPr lvl="1"/>
+            <a:r>
+              <a:rPr lang="en-US" dirty="0"/>
+              <a:t>P = f(effect size, n)</a:t>
+            </a:r>
+          </a:p>
+          <a:p>
+            <a:pPr lvl="1"/>
+            <a:endParaRPr lang="en-US" dirty="0"/>
+          </a:p>
+          <a:p>
+            <a:r>
+              <a:rPr lang="en-US" dirty="0"/>
+              <a:t>Rough estimates</a:t>
+            </a:r>
+          </a:p>
+          <a:p>
+            <a:pPr lvl="1"/>
+            <a:r>
+              <a:rPr lang="en-US" dirty="0"/>
+              <a:t>Cohen’s d = 1.0, n = 32 (16/group), power = 80%</a:t>
+            </a:r>
+          </a:p>
+          <a:p>
+            <a:pPr lvl="1"/>
+            <a:r>
+              <a:rPr lang="en-US" dirty="0"/>
+              <a:t>d = 0.5, n= 126 (63/group), power = 80%</a:t>
+            </a:r>
+          </a:p>
+          <a:p>
+            <a:pPr lvl="1"/>
+            <a:r>
+              <a:rPr lang="en-US" dirty="0"/>
+              <a:t>d = 0.2, n = 784 (392/group), power = 80%</a:t>
+            </a:r>
+          </a:p>
+        </p:txBody>
+      </p:sp>
+    </p:spTree>
+    <p:extLst>
+      <p:ext uri="{BB962C8B-B14F-4D97-AF65-F5344CB8AC3E}">
+        <p14:creationId xmlns:p14="http://schemas.microsoft.com/office/powerpoint/2010/main" val="1417406352"/>
       </p:ext>
     </p:extLst>
   </p:cSld>
